--- a/doc/slides/day2/session4/RCS.pptx
+++ b/doc/slides/day2/session4/RCS.pptx
@@ -5,10 +5,20 @@
     <p:sldMasterId id="2147483648" r:id="rId1"/>
   </p:sldMasterIdLst>
   <p:notesMasterIdLst>
-    <p:notesMasterId r:id="rId3"/>
+    <p:notesMasterId r:id="rId13"/>
   </p:notesMasterIdLst>
   <p:sldIdLst>
     <p:sldId id="256" r:id="rId2"/>
+    <p:sldId id="257" r:id="rId3"/>
+    <p:sldId id="258" r:id="rId4"/>
+    <p:sldId id="259" r:id="rId5"/>
+    <p:sldId id="260" r:id="rId6"/>
+    <p:sldId id="261" r:id="rId7"/>
+    <p:sldId id="262" r:id="rId8"/>
+    <p:sldId id="263" r:id="rId9"/>
+    <p:sldId id="264" r:id="rId10"/>
+    <p:sldId id="265" r:id="rId11"/>
+    <p:sldId id="266" r:id="rId12"/>
   </p:sldIdLst>
   <p:sldSz cx="9144000" cy="6858000" type="screen4x3"/>
   <p:notesSz cx="6858000" cy="9144000"/>
@@ -193,7 +203,7 @@
             <a:fld id="{D82FF0E2-E47A-A340-9B4D-91808E467950}" type="datetimeFigureOut">
               <a:rPr lang="en-US" smtClean="0"/>
               <a:pPr/>
-              <a:t>8/29/12</a:t>
+              <a:t>9/3/12</a:t>
             </a:fld>
             <a:endParaRPr lang="en-US"/>
           </a:p>
@@ -755,7 +765,7 @@
             <a:fld id="{C5F836F2-CA5C-0245-8085-6BA20A5317C4}" type="datetimeFigureOut">
               <a:rPr lang="en-US" smtClean="0"/>
               <a:pPr/>
-              <a:t>8/29/12</a:t>
+              <a:t>9/3/12</a:t>
             </a:fld>
             <a:endParaRPr lang="en-US"/>
           </a:p>
@@ -922,7 +932,7 @@
             <a:fld id="{C5F836F2-CA5C-0245-8085-6BA20A5317C4}" type="datetimeFigureOut">
               <a:rPr lang="en-US" smtClean="0"/>
               <a:pPr/>
-              <a:t>8/29/12</a:t>
+              <a:t>9/3/12</a:t>
             </a:fld>
             <a:endParaRPr lang="en-US"/>
           </a:p>
@@ -1099,7 +1109,7 @@
             <a:fld id="{C5F836F2-CA5C-0245-8085-6BA20A5317C4}" type="datetimeFigureOut">
               <a:rPr lang="en-US" smtClean="0"/>
               <a:pPr/>
-              <a:t>8/29/12</a:t>
+              <a:t>9/3/12</a:t>
             </a:fld>
             <a:endParaRPr lang="en-US"/>
           </a:p>
@@ -1266,7 +1276,7 @@
             <a:fld id="{C5F836F2-CA5C-0245-8085-6BA20A5317C4}" type="datetimeFigureOut">
               <a:rPr lang="en-US" smtClean="0"/>
               <a:pPr/>
-              <a:t>8/29/12</a:t>
+              <a:t>9/3/12</a:t>
             </a:fld>
             <a:endParaRPr lang="en-US"/>
           </a:p>
@@ -1509,7 +1519,7 @@
             <a:fld id="{C5F836F2-CA5C-0245-8085-6BA20A5317C4}" type="datetimeFigureOut">
               <a:rPr lang="en-US" smtClean="0"/>
               <a:pPr/>
-              <a:t>8/29/12</a:t>
+              <a:t>9/3/12</a:t>
             </a:fld>
             <a:endParaRPr lang="en-US"/>
           </a:p>
@@ -1794,7 +1804,7 @@
             <a:fld id="{C5F836F2-CA5C-0245-8085-6BA20A5317C4}" type="datetimeFigureOut">
               <a:rPr lang="en-US" smtClean="0"/>
               <a:pPr/>
-              <a:t>8/29/12</a:t>
+              <a:t>9/3/12</a:t>
             </a:fld>
             <a:endParaRPr lang="en-US"/>
           </a:p>
@@ -2213,7 +2223,7 @@
             <a:fld id="{C5F836F2-CA5C-0245-8085-6BA20A5317C4}" type="datetimeFigureOut">
               <a:rPr lang="en-US" smtClean="0"/>
               <a:pPr/>
-              <a:t>8/29/12</a:t>
+              <a:t>9/3/12</a:t>
             </a:fld>
             <a:endParaRPr lang="en-US"/>
           </a:p>
@@ -2328,7 +2338,7 @@
             <a:fld id="{C5F836F2-CA5C-0245-8085-6BA20A5317C4}" type="datetimeFigureOut">
               <a:rPr lang="en-US" smtClean="0"/>
               <a:pPr/>
-              <a:t>8/29/12</a:t>
+              <a:t>9/3/12</a:t>
             </a:fld>
             <a:endParaRPr lang="en-US"/>
           </a:p>
@@ -2420,7 +2430,7 @@
             <a:fld id="{C5F836F2-CA5C-0245-8085-6BA20A5317C4}" type="datetimeFigureOut">
               <a:rPr lang="en-US" smtClean="0"/>
               <a:pPr/>
-              <a:t>8/29/12</a:t>
+              <a:t>9/3/12</a:t>
             </a:fld>
             <a:endParaRPr lang="en-US"/>
           </a:p>
@@ -2694,7 +2704,7 @@
             <a:fld id="{C5F836F2-CA5C-0245-8085-6BA20A5317C4}" type="datetimeFigureOut">
               <a:rPr lang="en-US" smtClean="0"/>
               <a:pPr/>
-              <a:t>8/29/12</a:t>
+              <a:t>9/3/12</a:t>
             </a:fld>
             <a:endParaRPr lang="en-US"/>
           </a:p>
@@ -2944,7 +2954,7 @@
             <a:fld id="{C5F836F2-CA5C-0245-8085-6BA20A5317C4}" type="datetimeFigureOut">
               <a:rPr lang="en-US" smtClean="0"/>
               <a:pPr/>
-              <a:t>8/29/12</a:t>
+              <a:t>9/3/12</a:t>
             </a:fld>
             <a:endParaRPr lang="en-US"/>
           </a:p>
@@ -3154,7 +3164,7 @@
             <a:fld id="{C5F836F2-CA5C-0245-8085-6BA20A5317C4}" type="datetimeFigureOut">
               <a:rPr lang="en-US" smtClean="0"/>
               <a:pPr/>
-              <a:t>8/29/12</a:t>
+              <a:t>9/3/12</a:t>
             </a:fld>
             <a:endParaRPr lang="en-US"/>
           </a:p>
@@ -3568,6 +3578,702 @@
               <a:t>12 September 2012, 16.30-18.00</a:t>
             </a:r>
             <a:endParaRPr lang="en-US" dirty="0"/>
+          </a:p>
+        </p:txBody>
+      </p:sp>
+    </p:spTree>
+  </p:cSld>
+  <p:clrMapOvr>
+    <a:masterClrMapping/>
+  </p:clrMapOvr>
+</p:sld>
+</file>
+
+<file path=ppt/slides/slide10.xml><?xml version="1.0" encoding="utf-8"?>
+<p:sld xmlns:a="http://schemas.openxmlformats.org/drawingml/2006/main" xmlns:r="http://schemas.openxmlformats.org/officeDocument/2006/relationships" xmlns:mc="http://schemas.openxmlformats.org/markup-compatibility/2006" xmlns:mv="urn:schemas-microsoft-com:mac:vml" xmlns:p="http://schemas.openxmlformats.org/presentationml/2006/main" mc:Ignorable="mv" mc:PreserveAttributes="mv:*">
+  <p:cSld>
+    <p:spTree>
+      <p:nvGrpSpPr>
+        <p:cNvPr id="1" name=""/>
+        <p:cNvGrpSpPr/>
+        <p:nvPr/>
+      </p:nvGrpSpPr>
+      <p:grpSpPr>
+        <a:xfrm>
+          <a:off x="0" y="0"/>
+          <a:ext cx="0" cy="0"/>
+          <a:chOff x="0" y="0"/>
+          <a:chExt cx="0" cy="0"/>
+        </a:xfrm>
+      </p:grpSpPr>
+      <p:sp>
+        <p:nvSpPr>
+          <p:cNvPr id="2" name="Title 1"/>
+          <p:cNvSpPr>
+            <a:spLocks noGrp="1"/>
+          </p:cNvSpPr>
+          <p:nvPr>
+            <p:ph type="title"/>
+          </p:nvPr>
+        </p:nvSpPr>
+        <p:spPr/>
+        <p:txBody>
+          <a:bodyPr/>
+          <a:lstStyle/>
+          <a:p>
+            <a:r>
+              <a:rPr lang="en-US" dirty="0" smtClean="0"/>
+              <a:t>Free RCS hosts</a:t>
+            </a:r>
+            <a:endParaRPr lang="en-US" dirty="0"/>
+          </a:p>
+        </p:txBody>
+      </p:sp>
+      <p:sp>
+        <p:nvSpPr>
+          <p:cNvPr id="3" name="Content Placeholder 2"/>
+          <p:cNvSpPr>
+            <a:spLocks noGrp="1"/>
+          </p:cNvSpPr>
+          <p:nvPr>
+            <p:ph idx="1"/>
+          </p:nvPr>
+        </p:nvSpPr>
+        <p:spPr/>
+        <p:txBody>
+          <a:bodyPr/>
+          <a:lstStyle/>
+          <a:p>
+            <a:r>
+              <a:rPr lang="en-US" dirty="0" err="1" smtClean="0"/>
+              <a:t>SourceForge</a:t>
+            </a:r>
+            <a:endParaRPr lang="en-US" dirty="0" smtClean="0"/>
+          </a:p>
+          <a:p>
+            <a:r>
+              <a:rPr lang="en-US" dirty="0" err="1" smtClean="0"/>
+              <a:t>GitHub</a:t>
+            </a:r>
+            <a:endParaRPr lang="en-US" dirty="0" smtClean="0"/>
+          </a:p>
+          <a:p>
+            <a:r>
+              <a:rPr lang="en-US" dirty="0" err="1" smtClean="0"/>
+              <a:t>BitBucket</a:t>
+            </a:r>
+            <a:endParaRPr lang="en-US" dirty="0"/>
+          </a:p>
+        </p:txBody>
+      </p:sp>
+    </p:spTree>
+  </p:cSld>
+  <p:clrMapOvr>
+    <a:masterClrMapping/>
+  </p:clrMapOvr>
+</p:sld>
+</file>
+
+<file path=ppt/slides/slide11.xml><?xml version="1.0" encoding="utf-8"?>
+<p:sld xmlns:a="http://schemas.openxmlformats.org/drawingml/2006/main" xmlns:r="http://schemas.openxmlformats.org/officeDocument/2006/relationships" xmlns:mc="http://schemas.openxmlformats.org/markup-compatibility/2006" xmlns:mv="urn:schemas-microsoft-com:mac:vml" xmlns:p="http://schemas.openxmlformats.org/presentationml/2006/main" mc:Ignorable="mv" mc:PreserveAttributes="mv:*">
+  <p:cSld>
+    <p:spTree>
+      <p:nvGrpSpPr>
+        <p:cNvPr id="1" name=""/>
+        <p:cNvGrpSpPr/>
+        <p:nvPr/>
+      </p:nvGrpSpPr>
+      <p:grpSpPr>
+        <a:xfrm>
+          <a:off x="0" y="0"/>
+          <a:ext cx="0" cy="0"/>
+          <a:chOff x="0" y="0"/>
+          <a:chExt cx="0" cy="0"/>
+        </a:xfrm>
+      </p:grpSpPr>
+      <p:sp>
+        <p:nvSpPr>
+          <p:cNvPr id="2" name="Title 1"/>
+          <p:cNvSpPr>
+            <a:spLocks noGrp="1"/>
+          </p:cNvSpPr>
+          <p:nvPr>
+            <p:ph type="title"/>
+          </p:nvPr>
+        </p:nvSpPr>
+        <p:spPr/>
+        <p:txBody>
+          <a:bodyPr/>
+          <a:lstStyle/>
+          <a:p>
+            <a:r>
+              <a:rPr lang="en-US" dirty="0" smtClean="0"/>
+              <a:t>Exercise: basic </a:t>
+            </a:r>
+            <a:r>
+              <a:rPr lang="en-US" dirty="0" err="1" smtClean="0"/>
+              <a:t>git</a:t>
+            </a:r>
+            <a:r>
+              <a:rPr lang="en-US" dirty="0" smtClean="0"/>
+              <a:t> usage</a:t>
+            </a:r>
+            <a:endParaRPr lang="en-US" dirty="0"/>
+          </a:p>
+        </p:txBody>
+      </p:sp>
+      <p:sp>
+        <p:nvSpPr>
+          <p:cNvPr id="3" name="Content Placeholder 2"/>
+          <p:cNvSpPr>
+            <a:spLocks noGrp="1"/>
+          </p:cNvSpPr>
+          <p:nvPr>
+            <p:ph idx="1"/>
+          </p:nvPr>
+        </p:nvSpPr>
+        <p:spPr/>
+        <p:txBody>
+          <a:bodyPr/>
+          <a:lstStyle/>
+          <a:p>
+            <a:endParaRPr lang="en-US"/>
+          </a:p>
+        </p:txBody>
+      </p:sp>
+    </p:spTree>
+  </p:cSld>
+  <p:clrMapOvr>
+    <a:masterClrMapping/>
+  </p:clrMapOvr>
+</p:sld>
+</file>
+
+<file path=ppt/slides/slide2.xml><?xml version="1.0" encoding="utf-8"?>
+<p:sld xmlns:a="http://schemas.openxmlformats.org/drawingml/2006/main" xmlns:r="http://schemas.openxmlformats.org/officeDocument/2006/relationships" xmlns:mc="http://schemas.openxmlformats.org/markup-compatibility/2006" xmlns:mv="urn:schemas-microsoft-com:mac:vml" xmlns:p="http://schemas.openxmlformats.org/presentationml/2006/main" mc:Ignorable="mv" mc:PreserveAttributes="mv:*">
+  <p:cSld>
+    <p:spTree>
+      <p:nvGrpSpPr>
+        <p:cNvPr id="1" name=""/>
+        <p:cNvGrpSpPr/>
+        <p:nvPr/>
+      </p:nvGrpSpPr>
+      <p:grpSpPr>
+        <a:xfrm>
+          <a:off x="0" y="0"/>
+          <a:ext cx="0" cy="0"/>
+          <a:chOff x="0" y="0"/>
+          <a:chExt cx="0" cy="0"/>
+        </a:xfrm>
+      </p:grpSpPr>
+      <p:sp>
+        <p:nvSpPr>
+          <p:cNvPr id="2" name="Title 1"/>
+          <p:cNvSpPr>
+            <a:spLocks noGrp="1"/>
+          </p:cNvSpPr>
+          <p:nvPr>
+            <p:ph type="title"/>
+          </p:nvPr>
+        </p:nvSpPr>
+        <p:spPr/>
+        <p:txBody>
+          <a:bodyPr/>
+          <a:lstStyle/>
+          <a:p>
+            <a:r>
+              <a:rPr lang="en-US" dirty="0" smtClean="0"/>
+              <a:t>About versions</a:t>
+            </a:r>
+            <a:endParaRPr lang="en-US" dirty="0"/>
+          </a:p>
+        </p:txBody>
+      </p:sp>
+      <p:sp>
+        <p:nvSpPr>
+          <p:cNvPr id="3" name="Content Placeholder 2"/>
+          <p:cNvSpPr>
+            <a:spLocks noGrp="1"/>
+          </p:cNvSpPr>
+          <p:nvPr>
+            <p:ph idx="1"/>
+          </p:nvPr>
+        </p:nvSpPr>
+        <p:spPr/>
+        <p:txBody>
+          <a:bodyPr/>
+          <a:lstStyle/>
+          <a:p>
+            <a:endParaRPr lang="en-US"/>
+          </a:p>
+        </p:txBody>
+      </p:sp>
+    </p:spTree>
+  </p:cSld>
+  <p:clrMapOvr>
+    <a:masterClrMapping/>
+  </p:clrMapOvr>
+</p:sld>
+</file>
+
+<file path=ppt/slides/slide3.xml><?xml version="1.0" encoding="utf-8"?>
+<p:sld xmlns:a="http://schemas.openxmlformats.org/drawingml/2006/main" xmlns:r="http://schemas.openxmlformats.org/officeDocument/2006/relationships" xmlns:mc="http://schemas.openxmlformats.org/markup-compatibility/2006" xmlns:mv="urn:schemas-microsoft-com:mac:vml" xmlns:p="http://schemas.openxmlformats.org/presentationml/2006/main" mc:Ignorable="mv" mc:PreserveAttributes="mv:*">
+  <p:cSld>
+    <p:spTree>
+      <p:nvGrpSpPr>
+        <p:cNvPr id="1" name=""/>
+        <p:cNvGrpSpPr/>
+        <p:nvPr/>
+      </p:nvGrpSpPr>
+      <p:grpSpPr>
+        <a:xfrm>
+          <a:off x="0" y="0"/>
+          <a:ext cx="0" cy="0"/>
+          <a:chOff x="0" y="0"/>
+          <a:chExt cx="0" cy="0"/>
+        </a:xfrm>
+      </p:grpSpPr>
+      <p:sp>
+        <p:nvSpPr>
+          <p:cNvPr id="2" name="Title 1"/>
+          <p:cNvSpPr>
+            <a:spLocks noGrp="1"/>
+          </p:cNvSpPr>
+          <p:nvPr>
+            <p:ph type="title"/>
+          </p:nvPr>
+        </p:nvSpPr>
+        <p:spPr/>
+        <p:txBody>
+          <a:bodyPr/>
+          <a:lstStyle/>
+          <a:p>
+            <a:r>
+              <a:rPr lang="en-US" dirty="0" smtClean="0"/>
+              <a:t>Working together</a:t>
+            </a:r>
+            <a:endParaRPr lang="en-US" dirty="0"/>
+          </a:p>
+        </p:txBody>
+      </p:sp>
+      <p:sp>
+        <p:nvSpPr>
+          <p:cNvPr id="3" name="Content Placeholder 2"/>
+          <p:cNvSpPr>
+            <a:spLocks noGrp="1"/>
+          </p:cNvSpPr>
+          <p:nvPr>
+            <p:ph idx="1"/>
+          </p:nvPr>
+        </p:nvSpPr>
+        <p:spPr/>
+        <p:txBody>
+          <a:bodyPr/>
+          <a:lstStyle/>
+          <a:p>
+            <a:endParaRPr lang="en-US"/>
+          </a:p>
+        </p:txBody>
+      </p:sp>
+    </p:spTree>
+  </p:cSld>
+  <p:clrMapOvr>
+    <a:masterClrMapping/>
+  </p:clrMapOvr>
+</p:sld>
+</file>
+
+<file path=ppt/slides/slide4.xml><?xml version="1.0" encoding="utf-8"?>
+<p:sld xmlns:a="http://schemas.openxmlformats.org/drawingml/2006/main" xmlns:r="http://schemas.openxmlformats.org/officeDocument/2006/relationships" xmlns:mc="http://schemas.openxmlformats.org/markup-compatibility/2006" xmlns:mv="urn:schemas-microsoft-com:mac:vml" xmlns:p="http://schemas.openxmlformats.org/presentationml/2006/main" mc:Ignorable="mv" mc:PreserveAttributes="mv:*">
+  <p:cSld>
+    <p:spTree>
+      <p:nvGrpSpPr>
+        <p:cNvPr id="1" name=""/>
+        <p:cNvGrpSpPr/>
+        <p:nvPr/>
+      </p:nvGrpSpPr>
+      <p:grpSpPr>
+        <a:xfrm>
+          <a:off x="0" y="0"/>
+          <a:ext cx="0" cy="0"/>
+          <a:chOff x="0" y="0"/>
+          <a:chExt cx="0" cy="0"/>
+        </a:xfrm>
+      </p:grpSpPr>
+      <p:sp>
+        <p:nvSpPr>
+          <p:cNvPr id="2" name="Title 1"/>
+          <p:cNvSpPr>
+            <a:spLocks noGrp="1"/>
+          </p:cNvSpPr>
+          <p:nvPr>
+            <p:ph type="title"/>
+          </p:nvPr>
+        </p:nvSpPr>
+        <p:spPr/>
+        <p:txBody>
+          <a:bodyPr/>
+          <a:lstStyle/>
+          <a:p>
+            <a:r>
+              <a:rPr lang="en-US" dirty="0" smtClean="0"/>
+              <a:t>Version control systems</a:t>
+            </a:r>
+            <a:endParaRPr lang="en-US" dirty="0"/>
+          </a:p>
+        </p:txBody>
+      </p:sp>
+      <p:sp>
+        <p:nvSpPr>
+          <p:cNvPr id="3" name="Content Placeholder 2"/>
+          <p:cNvSpPr>
+            <a:spLocks noGrp="1"/>
+          </p:cNvSpPr>
+          <p:nvPr>
+            <p:ph idx="1"/>
+          </p:nvPr>
+        </p:nvSpPr>
+        <p:spPr/>
+        <p:txBody>
+          <a:bodyPr/>
+          <a:lstStyle/>
+          <a:p>
+            <a:endParaRPr lang="en-US"/>
+          </a:p>
+        </p:txBody>
+      </p:sp>
+    </p:spTree>
+  </p:cSld>
+  <p:clrMapOvr>
+    <a:masterClrMapping/>
+  </p:clrMapOvr>
+</p:sld>
+</file>
+
+<file path=ppt/slides/slide5.xml><?xml version="1.0" encoding="utf-8"?>
+<p:sld xmlns:a="http://schemas.openxmlformats.org/drawingml/2006/main" xmlns:r="http://schemas.openxmlformats.org/officeDocument/2006/relationships" xmlns:mc="http://schemas.openxmlformats.org/markup-compatibility/2006" xmlns:mv="urn:schemas-microsoft-com:mac:vml" xmlns:p="http://schemas.openxmlformats.org/presentationml/2006/main" mc:Ignorable="mv" mc:PreserveAttributes="mv:*">
+  <p:cSld>
+    <p:spTree>
+      <p:nvGrpSpPr>
+        <p:cNvPr id="1" name=""/>
+        <p:cNvGrpSpPr/>
+        <p:nvPr/>
+      </p:nvGrpSpPr>
+      <p:grpSpPr>
+        <a:xfrm>
+          <a:off x="0" y="0"/>
+          <a:ext cx="0" cy="0"/>
+          <a:chOff x="0" y="0"/>
+          <a:chExt cx="0" cy="0"/>
+        </a:xfrm>
+      </p:grpSpPr>
+      <p:sp>
+        <p:nvSpPr>
+          <p:cNvPr id="2" name="Title 1"/>
+          <p:cNvSpPr>
+            <a:spLocks noGrp="1"/>
+          </p:cNvSpPr>
+          <p:nvPr>
+            <p:ph type="title"/>
+          </p:nvPr>
+        </p:nvSpPr>
+        <p:spPr/>
+        <p:txBody>
+          <a:bodyPr/>
+          <a:lstStyle/>
+          <a:p>
+            <a:r>
+              <a:rPr lang="en-US" dirty="0" smtClean="0"/>
+              <a:t>CVS</a:t>
+            </a:r>
+            <a:endParaRPr lang="en-US" dirty="0"/>
+          </a:p>
+        </p:txBody>
+      </p:sp>
+      <p:sp>
+        <p:nvSpPr>
+          <p:cNvPr id="3" name="Content Placeholder 2"/>
+          <p:cNvSpPr>
+            <a:spLocks noGrp="1"/>
+          </p:cNvSpPr>
+          <p:nvPr>
+            <p:ph idx="1"/>
+          </p:nvPr>
+        </p:nvSpPr>
+        <p:spPr/>
+        <p:txBody>
+          <a:bodyPr/>
+          <a:lstStyle/>
+          <a:p>
+            <a:endParaRPr lang="en-US"/>
+          </a:p>
+        </p:txBody>
+      </p:sp>
+    </p:spTree>
+  </p:cSld>
+  <p:clrMapOvr>
+    <a:masterClrMapping/>
+  </p:clrMapOvr>
+</p:sld>
+</file>
+
+<file path=ppt/slides/slide6.xml><?xml version="1.0" encoding="utf-8"?>
+<p:sld xmlns:a="http://schemas.openxmlformats.org/drawingml/2006/main" xmlns:r="http://schemas.openxmlformats.org/officeDocument/2006/relationships" xmlns:mc="http://schemas.openxmlformats.org/markup-compatibility/2006" xmlns:mv="urn:schemas-microsoft-com:mac:vml" xmlns:p="http://schemas.openxmlformats.org/presentationml/2006/main" mc:Ignorable="mv" mc:PreserveAttributes="mv:*">
+  <p:cSld>
+    <p:spTree>
+      <p:nvGrpSpPr>
+        <p:cNvPr id="1" name=""/>
+        <p:cNvGrpSpPr/>
+        <p:nvPr/>
+      </p:nvGrpSpPr>
+      <p:grpSpPr>
+        <a:xfrm>
+          <a:off x="0" y="0"/>
+          <a:ext cx="0" cy="0"/>
+          <a:chOff x="0" y="0"/>
+          <a:chExt cx="0" cy="0"/>
+        </a:xfrm>
+      </p:grpSpPr>
+      <p:sp>
+        <p:nvSpPr>
+          <p:cNvPr id="2" name="Title 1"/>
+          <p:cNvSpPr>
+            <a:spLocks noGrp="1"/>
+          </p:cNvSpPr>
+          <p:nvPr>
+            <p:ph type="title"/>
+          </p:nvPr>
+        </p:nvSpPr>
+        <p:spPr/>
+        <p:txBody>
+          <a:bodyPr/>
+          <a:lstStyle/>
+          <a:p>
+            <a:r>
+              <a:rPr lang="en-US" dirty="0" smtClean="0"/>
+              <a:t>SVN</a:t>
+            </a:r>
+            <a:endParaRPr lang="en-US" dirty="0"/>
+          </a:p>
+        </p:txBody>
+      </p:sp>
+      <p:sp>
+        <p:nvSpPr>
+          <p:cNvPr id="3" name="Content Placeholder 2"/>
+          <p:cNvSpPr>
+            <a:spLocks noGrp="1"/>
+          </p:cNvSpPr>
+          <p:nvPr>
+            <p:ph idx="1"/>
+          </p:nvPr>
+        </p:nvSpPr>
+        <p:spPr/>
+        <p:txBody>
+          <a:bodyPr/>
+          <a:lstStyle/>
+          <a:p>
+            <a:endParaRPr lang="en-US"/>
+          </a:p>
+        </p:txBody>
+      </p:sp>
+    </p:spTree>
+  </p:cSld>
+  <p:clrMapOvr>
+    <a:masterClrMapping/>
+  </p:clrMapOvr>
+</p:sld>
+</file>
+
+<file path=ppt/slides/slide7.xml><?xml version="1.0" encoding="utf-8"?>
+<p:sld xmlns:a="http://schemas.openxmlformats.org/drawingml/2006/main" xmlns:r="http://schemas.openxmlformats.org/officeDocument/2006/relationships" xmlns:mc="http://schemas.openxmlformats.org/markup-compatibility/2006" xmlns:mv="urn:schemas-microsoft-com:mac:vml" xmlns:p="http://schemas.openxmlformats.org/presentationml/2006/main" mc:Ignorable="mv" mc:PreserveAttributes="mv:*">
+  <p:cSld>
+    <p:spTree>
+      <p:nvGrpSpPr>
+        <p:cNvPr id="1" name=""/>
+        <p:cNvGrpSpPr/>
+        <p:nvPr/>
+      </p:nvGrpSpPr>
+      <p:grpSpPr>
+        <a:xfrm>
+          <a:off x="0" y="0"/>
+          <a:ext cx="0" cy="0"/>
+          <a:chOff x="0" y="0"/>
+          <a:chExt cx="0" cy="0"/>
+        </a:xfrm>
+      </p:grpSpPr>
+      <p:sp>
+        <p:nvSpPr>
+          <p:cNvPr id="2" name="Title 1"/>
+          <p:cNvSpPr>
+            <a:spLocks noGrp="1"/>
+          </p:cNvSpPr>
+          <p:nvPr>
+            <p:ph type="title"/>
+          </p:nvPr>
+        </p:nvSpPr>
+        <p:spPr/>
+        <p:txBody>
+          <a:bodyPr/>
+          <a:lstStyle/>
+          <a:p>
+            <a:r>
+              <a:rPr lang="en-US" dirty="0" smtClean="0"/>
+              <a:t>Distributed version control</a:t>
+            </a:r>
+            <a:endParaRPr lang="en-US" dirty="0"/>
+          </a:p>
+        </p:txBody>
+      </p:sp>
+      <p:sp>
+        <p:nvSpPr>
+          <p:cNvPr id="3" name="Content Placeholder 2"/>
+          <p:cNvSpPr>
+            <a:spLocks noGrp="1"/>
+          </p:cNvSpPr>
+          <p:nvPr>
+            <p:ph idx="1"/>
+          </p:nvPr>
+        </p:nvSpPr>
+        <p:spPr/>
+        <p:txBody>
+          <a:bodyPr/>
+          <a:lstStyle/>
+          <a:p>
+            <a:endParaRPr lang="en-US"/>
+          </a:p>
+        </p:txBody>
+      </p:sp>
+    </p:spTree>
+  </p:cSld>
+  <p:clrMapOvr>
+    <a:masterClrMapping/>
+  </p:clrMapOvr>
+</p:sld>
+</file>
+
+<file path=ppt/slides/slide8.xml><?xml version="1.0" encoding="utf-8"?>
+<p:sld xmlns:a="http://schemas.openxmlformats.org/drawingml/2006/main" xmlns:r="http://schemas.openxmlformats.org/officeDocument/2006/relationships" xmlns:mc="http://schemas.openxmlformats.org/markup-compatibility/2006" xmlns:mv="urn:schemas-microsoft-com:mac:vml" xmlns:p="http://schemas.openxmlformats.org/presentationml/2006/main" mc:Ignorable="mv" mc:PreserveAttributes="mv:*">
+  <p:cSld>
+    <p:spTree>
+      <p:nvGrpSpPr>
+        <p:cNvPr id="1" name=""/>
+        <p:cNvGrpSpPr/>
+        <p:nvPr/>
+      </p:nvGrpSpPr>
+      <p:grpSpPr>
+        <a:xfrm>
+          <a:off x="0" y="0"/>
+          <a:ext cx="0" cy="0"/>
+          <a:chOff x="0" y="0"/>
+          <a:chExt cx="0" cy="0"/>
+        </a:xfrm>
+      </p:grpSpPr>
+      <p:sp>
+        <p:nvSpPr>
+          <p:cNvPr id="2" name="Title 1"/>
+          <p:cNvSpPr>
+            <a:spLocks noGrp="1"/>
+          </p:cNvSpPr>
+          <p:nvPr>
+            <p:ph type="title"/>
+          </p:nvPr>
+        </p:nvSpPr>
+        <p:spPr/>
+        <p:txBody>
+          <a:bodyPr/>
+          <a:lstStyle/>
+          <a:p>
+            <a:r>
+              <a:rPr lang="en-US" dirty="0" smtClean="0"/>
+              <a:t>GIT</a:t>
+            </a:r>
+            <a:endParaRPr lang="en-US" dirty="0"/>
+          </a:p>
+        </p:txBody>
+      </p:sp>
+      <p:sp>
+        <p:nvSpPr>
+          <p:cNvPr id="3" name="Content Placeholder 2"/>
+          <p:cNvSpPr>
+            <a:spLocks noGrp="1"/>
+          </p:cNvSpPr>
+          <p:nvPr>
+            <p:ph idx="1"/>
+          </p:nvPr>
+        </p:nvSpPr>
+        <p:spPr/>
+        <p:txBody>
+          <a:bodyPr/>
+          <a:lstStyle/>
+          <a:p>
+            <a:endParaRPr lang="en-US"/>
+          </a:p>
+        </p:txBody>
+      </p:sp>
+    </p:spTree>
+  </p:cSld>
+  <p:clrMapOvr>
+    <a:masterClrMapping/>
+  </p:clrMapOvr>
+</p:sld>
+</file>
+
+<file path=ppt/slides/slide9.xml><?xml version="1.0" encoding="utf-8"?>
+<p:sld xmlns:a="http://schemas.openxmlformats.org/drawingml/2006/main" xmlns:r="http://schemas.openxmlformats.org/officeDocument/2006/relationships" xmlns:mc="http://schemas.openxmlformats.org/markup-compatibility/2006" xmlns:mv="urn:schemas-microsoft-com:mac:vml" xmlns:p="http://schemas.openxmlformats.org/presentationml/2006/main" mc:Ignorable="mv" mc:PreserveAttributes="mv:*">
+  <p:cSld>
+    <p:spTree>
+      <p:nvGrpSpPr>
+        <p:cNvPr id="1" name=""/>
+        <p:cNvGrpSpPr/>
+        <p:nvPr/>
+      </p:nvGrpSpPr>
+      <p:grpSpPr>
+        <a:xfrm>
+          <a:off x="0" y="0"/>
+          <a:ext cx="0" cy="0"/>
+          <a:chOff x="0" y="0"/>
+          <a:chExt cx="0" cy="0"/>
+        </a:xfrm>
+      </p:grpSpPr>
+      <p:sp>
+        <p:nvSpPr>
+          <p:cNvPr id="2" name="Title 1"/>
+          <p:cNvSpPr>
+            <a:spLocks noGrp="1"/>
+          </p:cNvSpPr>
+          <p:nvPr>
+            <p:ph type="title"/>
+          </p:nvPr>
+        </p:nvSpPr>
+        <p:spPr/>
+        <p:txBody>
+          <a:bodyPr/>
+          <a:lstStyle/>
+          <a:p>
+            <a:r>
+              <a:rPr lang="en-US" dirty="0" smtClean="0"/>
+              <a:t>Mercurial</a:t>
+            </a:r>
+            <a:endParaRPr lang="en-US" dirty="0"/>
+          </a:p>
+        </p:txBody>
+      </p:sp>
+      <p:sp>
+        <p:nvSpPr>
+          <p:cNvPr id="3" name="Content Placeholder 2"/>
+          <p:cNvSpPr>
+            <a:spLocks noGrp="1"/>
+          </p:cNvSpPr>
+          <p:nvPr>
+            <p:ph idx="1"/>
+          </p:nvPr>
+        </p:nvSpPr>
+        <p:spPr/>
+        <p:txBody>
+          <a:bodyPr/>
+          <a:lstStyle/>
+          <a:p>
+            <a:endParaRPr lang="en-US"/>
           </a:p>
         </p:txBody>
       </p:sp>

--- a/doc/slides/day2/session4/RCS.pptx
+++ b/doc/slides/day2/session4/RCS.pptx
@@ -203,7 +203,7 @@
             <a:fld id="{D82FF0E2-E47A-A340-9B4D-91808E467950}" type="datetimeFigureOut">
               <a:rPr lang="en-US" smtClean="0"/>
               <a:pPr/>
-              <a:t>9/3/12</a:t>
+              <a:t>9/5/12</a:t>
             </a:fld>
             <a:endParaRPr lang="en-US"/>
           </a:p>
@@ -765,7 +765,7 @@
             <a:fld id="{C5F836F2-CA5C-0245-8085-6BA20A5317C4}" type="datetimeFigureOut">
               <a:rPr lang="en-US" smtClean="0"/>
               <a:pPr/>
-              <a:t>9/3/12</a:t>
+              <a:t>9/5/12</a:t>
             </a:fld>
             <a:endParaRPr lang="en-US"/>
           </a:p>
@@ -932,7 +932,7 @@
             <a:fld id="{C5F836F2-CA5C-0245-8085-6BA20A5317C4}" type="datetimeFigureOut">
               <a:rPr lang="en-US" smtClean="0"/>
               <a:pPr/>
-              <a:t>9/3/12</a:t>
+              <a:t>9/5/12</a:t>
             </a:fld>
             <a:endParaRPr lang="en-US"/>
           </a:p>
@@ -1109,7 +1109,7 @@
             <a:fld id="{C5F836F2-CA5C-0245-8085-6BA20A5317C4}" type="datetimeFigureOut">
               <a:rPr lang="en-US" smtClean="0"/>
               <a:pPr/>
-              <a:t>9/3/12</a:t>
+              <a:t>9/5/12</a:t>
             </a:fld>
             <a:endParaRPr lang="en-US"/>
           </a:p>
@@ -1276,7 +1276,7 @@
             <a:fld id="{C5F836F2-CA5C-0245-8085-6BA20A5317C4}" type="datetimeFigureOut">
               <a:rPr lang="en-US" smtClean="0"/>
               <a:pPr/>
-              <a:t>9/3/12</a:t>
+              <a:t>9/5/12</a:t>
             </a:fld>
             <a:endParaRPr lang="en-US"/>
           </a:p>
@@ -1519,7 +1519,7 @@
             <a:fld id="{C5F836F2-CA5C-0245-8085-6BA20A5317C4}" type="datetimeFigureOut">
               <a:rPr lang="en-US" smtClean="0"/>
               <a:pPr/>
-              <a:t>9/3/12</a:t>
+              <a:t>9/5/12</a:t>
             </a:fld>
             <a:endParaRPr lang="en-US"/>
           </a:p>
@@ -1804,7 +1804,7 @@
             <a:fld id="{C5F836F2-CA5C-0245-8085-6BA20A5317C4}" type="datetimeFigureOut">
               <a:rPr lang="en-US" smtClean="0"/>
               <a:pPr/>
-              <a:t>9/3/12</a:t>
+              <a:t>9/5/12</a:t>
             </a:fld>
             <a:endParaRPr lang="en-US"/>
           </a:p>
@@ -2223,7 +2223,7 @@
             <a:fld id="{C5F836F2-CA5C-0245-8085-6BA20A5317C4}" type="datetimeFigureOut">
               <a:rPr lang="en-US" smtClean="0"/>
               <a:pPr/>
-              <a:t>9/3/12</a:t>
+              <a:t>9/5/12</a:t>
             </a:fld>
             <a:endParaRPr lang="en-US"/>
           </a:p>
@@ -2338,7 +2338,7 @@
             <a:fld id="{C5F836F2-CA5C-0245-8085-6BA20A5317C4}" type="datetimeFigureOut">
               <a:rPr lang="en-US" smtClean="0"/>
               <a:pPr/>
-              <a:t>9/3/12</a:t>
+              <a:t>9/5/12</a:t>
             </a:fld>
             <a:endParaRPr lang="en-US"/>
           </a:p>
@@ -2430,7 +2430,7 @@
             <a:fld id="{C5F836F2-CA5C-0245-8085-6BA20A5317C4}" type="datetimeFigureOut">
               <a:rPr lang="en-US" smtClean="0"/>
               <a:pPr/>
-              <a:t>9/3/12</a:t>
+              <a:t>9/5/12</a:t>
             </a:fld>
             <a:endParaRPr lang="en-US"/>
           </a:p>
@@ -2704,7 +2704,7 @@
             <a:fld id="{C5F836F2-CA5C-0245-8085-6BA20A5317C4}" type="datetimeFigureOut">
               <a:rPr lang="en-US" smtClean="0"/>
               <a:pPr/>
-              <a:t>9/3/12</a:t>
+              <a:t>9/5/12</a:t>
             </a:fld>
             <a:endParaRPr lang="en-US"/>
           </a:p>
@@ -2954,7 +2954,7 @@
             <a:fld id="{C5F836F2-CA5C-0245-8085-6BA20A5317C4}" type="datetimeFigureOut">
               <a:rPr lang="en-US" smtClean="0"/>
               <a:pPr/>
-              <a:t>9/3/12</a:t>
+              <a:t>9/5/12</a:t>
             </a:fld>
             <a:endParaRPr lang="en-US"/>
           </a:p>
@@ -3164,7 +3164,7 @@
             <a:fld id="{C5F836F2-CA5C-0245-8085-6BA20A5317C4}" type="datetimeFigureOut">
               <a:rPr lang="en-US" smtClean="0"/>
               <a:pPr/>
-              <a:t>9/3/12</a:t>
+              <a:t>9/5/12</a:t>
             </a:fld>
             <a:endParaRPr lang="en-US"/>
           </a:p>
@@ -3737,6 +3737,89 @@
           <a:bodyPr/>
           <a:lstStyle/>
           <a:p>
+            <a:r>
+              <a:rPr lang="en-US" dirty="0" smtClean="0"/>
+              <a:t>Create a </a:t>
+            </a:r>
+            <a:r>
+              <a:rPr lang="en-US" dirty="0" err="1" smtClean="0"/>
+              <a:t>github</a:t>
+            </a:r>
+            <a:r>
+              <a:rPr lang="en-US" dirty="0" smtClean="0"/>
+              <a:t> account</a:t>
+            </a:r>
+          </a:p>
+          <a:p>
+            <a:r>
+              <a:rPr lang="en-US" dirty="0" smtClean="0"/>
+              <a:t>Create a new </a:t>
+            </a:r>
+            <a:r>
+              <a:rPr lang="en-US" dirty="0" err="1" smtClean="0"/>
+              <a:t>git</a:t>
+            </a:r>
+            <a:r>
+              <a:rPr lang="en-US" dirty="0" smtClean="0"/>
+              <a:t> repository</a:t>
+            </a:r>
+          </a:p>
+          <a:p>
+            <a:r>
+              <a:rPr lang="en-US" dirty="0" smtClean="0"/>
+              <a:t>Add a text </a:t>
+            </a:r>
+            <a:r>
+              <a:rPr lang="en-US" dirty="0" smtClean="0"/>
+              <a:t>(README) file</a:t>
+            </a:r>
+          </a:p>
+          <a:p>
+            <a:r>
+              <a:rPr lang="en-US" dirty="0" smtClean="0"/>
+              <a:t>Commit the text file</a:t>
+            </a:r>
+          </a:p>
+          <a:p>
+            <a:r>
+              <a:rPr lang="en-US" dirty="0" smtClean="0"/>
+              <a:t>Push the text file to </a:t>
+            </a:r>
+            <a:r>
+              <a:rPr lang="en-US" dirty="0" err="1" smtClean="0"/>
+              <a:t>github</a:t>
+            </a:r>
+            <a:r>
+              <a:rPr lang="en-US" dirty="0" smtClean="0"/>
+              <a:t>*</a:t>
+            </a:r>
+          </a:p>
+          <a:p>
+            <a:pPr>
+              <a:buNone/>
+            </a:pPr>
+            <a:endParaRPr lang="en-US" dirty="0" smtClean="0"/>
+          </a:p>
+          <a:p>
+            <a:pPr>
+              <a:buNone/>
+            </a:pPr>
+            <a:r>
+              <a:rPr lang="en-US" dirty="0" smtClean="0"/>
+              <a:t>* do this in such a way that '</a:t>
+            </a:r>
+            <a:r>
+              <a:rPr lang="en-US" dirty="0" err="1" smtClean="0"/>
+              <a:t>git</a:t>
+            </a:r>
+            <a:r>
+              <a:rPr lang="en-US" dirty="0" smtClean="0"/>
+              <a:t> push</a:t>
+            </a:r>
+            <a:r>
+              <a:rPr lang="en-US" smtClean="0"/>
+              <a:t>' suffices</a:t>
+            </a:r>
             <a:endParaRPr lang="en-US"/>
           </a:p>
         </p:txBody>
